--- a/PerceptronFirstTry/NN.pptx
+++ b/PerceptronFirstTry/NN.pptx
@@ -104,6 +104,11 @@
       </a:defRPr>
     </a:lvl9pPr>
   </p:defaultTextStyle>
+  <p:extLst>
+    <p:ext uri="{EFAFB233-063F-42B5-8137-9DF3F51BA10A}">
+      <p15:sldGuideLst xmlns:p15="http://schemas.microsoft.com/office/powerpoint/2012/main"/>
+    </p:ext>
+  </p:extLst>
 </p:presentation>
 </file>
 
@@ -238,7 +243,7 @@
           <a:p>
             <a:fld id="{2436A157-E4C4-4BF5-B34E-AA074BA56B2E}" type="datetimeFigureOut">
               <a:rPr lang="en-US" smtClean="0"/>
-              <a:t>04/30/2020</a:t>
+              <a:t>05/23/2020</a:t>
             </a:fld>
             <a:endParaRPr lang="en-US"/>
           </a:p>
@@ -408,7 +413,7 @@
           <a:p>
             <a:fld id="{2436A157-E4C4-4BF5-B34E-AA074BA56B2E}" type="datetimeFigureOut">
               <a:rPr lang="en-US" smtClean="0"/>
-              <a:t>04/30/2020</a:t>
+              <a:t>05/23/2020</a:t>
             </a:fld>
             <a:endParaRPr lang="en-US"/>
           </a:p>
@@ -588,7 +593,7 @@
           <a:p>
             <a:fld id="{2436A157-E4C4-4BF5-B34E-AA074BA56B2E}" type="datetimeFigureOut">
               <a:rPr lang="en-US" smtClean="0"/>
-              <a:t>04/30/2020</a:t>
+              <a:t>05/23/2020</a:t>
             </a:fld>
             <a:endParaRPr lang="en-US"/>
           </a:p>
@@ -758,7 +763,7 @@
           <a:p>
             <a:fld id="{2436A157-E4C4-4BF5-B34E-AA074BA56B2E}" type="datetimeFigureOut">
               <a:rPr lang="en-US" smtClean="0"/>
-              <a:t>04/30/2020</a:t>
+              <a:t>05/23/2020</a:t>
             </a:fld>
             <a:endParaRPr lang="en-US"/>
           </a:p>
@@ -1004,7 +1009,7 @@
           <a:p>
             <a:fld id="{2436A157-E4C4-4BF5-B34E-AA074BA56B2E}" type="datetimeFigureOut">
               <a:rPr lang="en-US" smtClean="0"/>
-              <a:t>04/30/2020</a:t>
+              <a:t>05/23/2020</a:t>
             </a:fld>
             <a:endParaRPr lang="en-US"/>
           </a:p>
@@ -1236,7 +1241,7 @@
           <a:p>
             <a:fld id="{2436A157-E4C4-4BF5-B34E-AA074BA56B2E}" type="datetimeFigureOut">
               <a:rPr lang="en-US" smtClean="0"/>
-              <a:t>04/30/2020</a:t>
+              <a:t>05/23/2020</a:t>
             </a:fld>
             <a:endParaRPr lang="en-US"/>
           </a:p>
@@ -1603,7 +1608,7 @@
           <a:p>
             <a:fld id="{2436A157-E4C4-4BF5-B34E-AA074BA56B2E}" type="datetimeFigureOut">
               <a:rPr lang="en-US" smtClean="0"/>
-              <a:t>04/30/2020</a:t>
+              <a:t>05/23/2020</a:t>
             </a:fld>
             <a:endParaRPr lang="en-US"/>
           </a:p>
@@ -1721,7 +1726,7 @@
           <a:p>
             <a:fld id="{2436A157-E4C4-4BF5-B34E-AA074BA56B2E}" type="datetimeFigureOut">
               <a:rPr lang="en-US" smtClean="0"/>
-              <a:t>04/30/2020</a:t>
+              <a:t>05/23/2020</a:t>
             </a:fld>
             <a:endParaRPr lang="en-US"/>
           </a:p>
@@ -1816,7 +1821,7 @@
           <a:p>
             <a:fld id="{2436A157-E4C4-4BF5-B34E-AA074BA56B2E}" type="datetimeFigureOut">
               <a:rPr lang="en-US" smtClean="0"/>
-              <a:t>04/30/2020</a:t>
+              <a:t>05/23/2020</a:t>
             </a:fld>
             <a:endParaRPr lang="en-US"/>
           </a:p>
@@ -2093,7 +2098,7 @@
           <a:p>
             <a:fld id="{2436A157-E4C4-4BF5-B34E-AA074BA56B2E}" type="datetimeFigureOut">
               <a:rPr lang="en-US" smtClean="0"/>
-              <a:t>04/30/2020</a:t>
+              <a:t>05/23/2020</a:t>
             </a:fld>
             <a:endParaRPr lang="en-US"/>
           </a:p>
@@ -2346,7 +2351,7 @@
           <a:p>
             <a:fld id="{2436A157-E4C4-4BF5-B34E-AA074BA56B2E}" type="datetimeFigureOut">
               <a:rPr lang="en-US" smtClean="0"/>
-              <a:t>04/30/2020</a:t>
+              <a:t>05/23/2020</a:t>
             </a:fld>
             <a:endParaRPr lang="en-US"/>
           </a:p>
@@ -2559,7 +2564,7 @@
           <a:p>
             <a:fld id="{2436A157-E4C4-4BF5-B34E-AA074BA56B2E}" type="datetimeFigureOut">
               <a:rPr lang="en-US" smtClean="0"/>
-              <a:t>04/30/2020</a:t>
+              <a:t>05/23/2020</a:t>
             </a:fld>
             <a:endParaRPr lang="en-US"/>
           </a:p>
@@ -3121,7 +3126,11 @@
             <a:pPr algn="ctr"/>
             <a:r>
               <a:rPr lang="en-US" dirty="0" smtClean="0"/>
-              <a:t>z2</a:t>
+              <a:t>z</a:t>
+            </a:r>
+            <a:r>
+              <a:rPr lang="ru-RU" dirty="0" smtClean="0"/>
+              <a:t>3</a:t>
             </a:r>
             <a:endParaRPr lang="en-US" dirty="0"/>
           </a:p>
@@ -3174,7 +3183,11 @@
             <a:pPr algn="ctr"/>
             <a:r>
               <a:rPr lang="en-US" dirty="0" smtClean="0"/>
-              <a:t>z3</a:t>
+              <a:t>z</a:t>
+            </a:r>
+            <a:r>
+              <a:rPr lang="ru-RU" dirty="0" smtClean="0"/>
+              <a:t>4</a:t>
             </a:r>
             <a:endParaRPr lang="en-US" dirty="0"/>
           </a:p>
@@ -3227,7 +3240,11 @@
             <a:pPr algn="ctr"/>
             <a:r>
               <a:rPr lang="en-US" dirty="0" smtClean="0"/>
-              <a:t>z1</a:t>
+              <a:t>z</a:t>
+            </a:r>
+            <a:r>
+              <a:rPr lang="ru-RU" dirty="0" smtClean="0"/>
+              <a:t>2</a:t>
             </a:r>
             <a:endParaRPr lang="en-US" dirty="0"/>
           </a:p>
@@ -3725,7 +3742,11 @@
             <a:pPr algn="ctr"/>
             <a:r>
               <a:rPr lang="en-US" sz="1100" dirty="0" smtClean="0"/>
-              <a:t>w12</a:t>
+              <a:t>w1</a:t>
+            </a:r>
+            <a:r>
+              <a:rPr lang="ru-RU" sz="1100" dirty="0" smtClean="0"/>
+              <a:t>3</a:t>
             </a:r>
             <a:endParaRPr lang="en-US" sz="1100" dirty="0"/>
           </a:p>
@@ -3739,7 +3760,7 @@
         </p:nvSpPr>
         <p:spPr>
           <a:xfrm>
-            <a:off x="4041737" y="4361447"/>
+            <a:off x="4497166" y="3886718"/>
             <a:ext cx="562708" cy="261610"/>
           </a:xfrm>
           <a:prstGeom prst="rect">
@@ -3756,7 +3777,11 @@
             <a:pPr algn="ctr"/>
             <a:r>
               <a:rPr lang="en-US" sz="1100" dirty="0" smtClean="0"/>
-              <a:t>w13</a:t>
+              <a:t>w1</a:t>
+            </a:r>
+            <a:r>
+              <a:rPr lang="ru-RU" sz="1100" dirty="0"/>
+              <a:t>4</a:t>
             </a:r>
             <a:endParaRPr lang="en-US" sz="1100" dirty="0"/>
           </a:p>
@@ -3770,7 +3795,7 @@
         </p:nvSpPr>
         <p:spPr>
           <a:xfrm>
-            <a:off x="6187844" y="3019600"/>
+            <a:off x="6281019" y="2951720"/>
             <a:ext cx="562708" cy="261610"/>
           </a:xfrm>
           <a:prstGeom prst="rect">
@@ -3817,12 +3842,12 @@
           <a:p>
             <a:pPr algn="ctr"/>
             <a:r>
-              <a:rPr lang="en-US" sz="1100" dirty="0"/>
-              <a:t>w</a:t>
-            </a:r>
-            <a:r>
               <a:rPr lang="en-US" sz="1100" dirty="0" smtClean="0"/>
-              <a:t>`2</a:t>
+              <a:t>w`</a:t>
+            </a:r>
+            <a:r>
+              <a:rPr lang="ru-RU" sz="1100" dirty="0" smtClean="0"/>
+              <a:t>3</a:t>
             </a:r>
             <a:endParaRPr lang="en-US" sz="1100" dirty="0"/>
           </a:p>
@@ -3836,7 +3861,7 @@
         </p:nvSpPr>
         <p:spPr>
           <a:xfrm>
-            <a:off x="6196857" y="3825691"/>
+            <a:off x="6321566" y="3913543"/>
             <a:ext cx="562708" cy="261610"/>
           </a:xfrm>
           <a:prstGeom prst="rect">
@@ -3853,7 +3878,11 @@
             <a:pPr algn="ctr"/>
             <a:r>
               <a:rPr lang="en-US" sz="1100" dirty="0" smtClean="0"/>
-              <a:t>w`3</a:t>
+              <a:t>w`</a:t>
+            </a:r>
+            <a:r>
+              <a:rPr lang="ru-RU" sz="1100" dirty="0" smtClean="0"/>
+              <a:t>5</a:t>
             </a:r>
             <a:endParaRPr lang="en-US" sz="1100" dirty="0"/>
           </a:p>
@@ -3884,7 +3913,11 @@
             <a:pPr algn="ctr"/>
             <a:r>
               <a:rPr lang="en-US" sz="1100" dirty="0" smtClean="0"/>
-              <a:t>w11</a:t>
+              <a:t>w1</a:t>
+            </a:r>
+            <a:r>
+              <a:rPr lang="ru-RU" sz="1100" dirty="0" smtClean="0"/>
+              <a:t>2</a:t>
             </a:r>
             <a:endParaRPr lang="en-US" sz="1100" dirty="0"/>
           </a:p>
@@ -3898,7 +3931,7 @@
         </p:nvSpPr>
         <p:spPr>
           <a:xfrm>
-            <a:off x="4222690" y="2815577"/>
+            <a:off x="4660144" y="2630806"/>
             <a:ext cx="562708" cy="261610"/>
           </a:xfrm>
           <a:prstGeom prst="rect">
@@ -3915,7 +3948,11 @@
             <a:pPr algn="ctr"/>
             <a:r>
               <a:rPr lang="en-US" sz="1100" dirty="0" smtClean="0"/>
-              <a:t>w21</a:t>
+              <a:t>w2</a:t>
+            </a:r>
+            <a:r>
+              <a:rPr lang="ru-RU" sz="1100" dirty="0" smtClean="0"/>
+              <a:t>2</a:t>
             </a:r>
             <a:endParaRPr lang="en-US" sz="1100" dirty="0"/>
           </a:p>
@@ -3946,7 +3983,11 @@
             <a:pPr algn="ctr"/>
             <a:r>
               <a:rPr lang="en-US" sz="1100" dirty="0" smtClean="0"/>
-              <a:t>w22</a:t>
+              <a:t>w2</a:t>
+            </a:r>
+            <a:r>
+              <a:rPr lang="ru-RU" sz="1100" dirty="0" smtClean="0"/>
+              <a:t>3</a:t>
             </a:r>
             <a:endParaRPr lang="en-US" sz="1100" dirty="0"/>
           </a:p>
@@ -4368,6 +4409,805 @@
           </a:fontRef>
         </p:style>
       </p:cxnSp>
+      <p:sp>
+        <p:nvSpPr>
+          <p:cNvPr id="38" name="Oval 37"/>
+          <p:cNvSpPr/>
+          <p:nvPr/>
+        </p:nvSpPr>
+        <p:spPr>
+          <a:xfrm>
+            <a:off x="4962035" y="1069825"/>
+            <a:ext cx="784860" cy="784860"/>
+          </a:xfrm>
+          <a:prstGeom prst="ellipse">
+            <a:avLst/>
+          </a:prstGeom>
+          <a:noFill/>
+          <a:ln>
+            <a:solidFill>
+              <a:schemeClr val="tx1"/>
+            </a:solidFill>
+          </a:ln>
+        </p:spPr>
+        <p:style>
+          <a:lnRef idx="2">
+            <a:schemeClr val="accent6"/>
+          </a:lnRef>
+          <a:fillRef idx="1">
+            <a:schemeClr val="lt1"/>
+          </a:fillRef>
+          <a:effectRef idx="0">
+            <a:schemeClr val="accent6"/>
+          </a:effectRef>
+          <a:fontRef idx="minor">
+            <a:schemeClr val="dk1"/>
+          </a:fontRef>
+        </p:style>
+        <p:txBody>
+          <a:bodyPr rot="0" spcFirstLastPara="0" vert="horz" wrap="square" lIns="91440" tIns="45720" rIns="91440" bIns="45720" numCol="1" spcCol="0" rtlCol="0" fromWordArt="0" anchor="ctr" anchorCtr="0" forceAA="0" compatLnSpc="1">
+            <a:prstTxWarp prst="textNoShape">
+              <a:avLst/>
+            </a:prstTxWarp>
+            <a:noAutofit/>
+          </a:bodyPr>
+          <a:lstStyle/>
+          <a:p>
+            <a:pPr algn="ctr"/>
+            <a:r>
+              <a:rPr lang="en-US" dirty="0" smtClean="0"/>
+              <a:t>z1</a:t>
+            </a:r>
+            <a:endParaRPr lang="en-US" dirty="0"/>
+          </a:p>
+        </p:txBody>
+      </p:sp>
+      <p:sp>
+        <p:nvSpPr>
+          <p:cNvPr id="39" name="Oval 38"/>
+          <p:cNvSpPr/>
+          <p:nvPr/>
+        </p:nvSpPr>
+        <p:spPr>
+          <a:xfrm>
+            <a:off x="4962035" y="5330899"/>
+            <a:ext cx="784860" cy="784860"/>
+          </a:xfrm>
+          <a:prstGeom prst="ellipse">
+            <a:avLst/>
+          </a:prstGeom>
+          <a:noFill/>
+          <a:ln>
+            <a:solidFill>
+              <a:schemeClr val="tx1"/>
+            </a:solidFill>
+          </a:ln>
+        </p:spPr>
+        <p:style>
+          <a:lnRef idx="2">
+            <a:schemeClr val="accent6"/>
+          </a:lnRef>
+          <a:fillRef idx="1">
+            <a:schemeClr val="lt1"/>
+          </a:fillRef>
+          <a:effectRef idx="0">
+            <a:schemeClr val="accent6"/>
+          </a:effectRef>
+          <a:fontRef idx="minor">
+            <a:schemeClr val="dk1"/>
+          </a:fontRef>
+        </p:style>
+        <p:txBody>
+          <a:bodyPr rot="0" spcFirstLastPara="0" vert="horz" wrap="square" lIns="91440" tIns="45720" rIns="91440" bIns="45720" numCol="1" spcCol="0" rtlCol="0" fromWordArt="0" anchor="ctr" anchorCtr="0" forceAA="0" compatLnSpc="1">
+            <a:prstTxWarp prst="textNoShape">
+              <a:avLst/>
+            </a:prstTxWarp>
+            <a:noAutofit/>
+          </a:bodyPr>
+          <a:lstStyle/>
+          <a:p>
+            <a:pPr algn="ctr"/>
+            <a:r>
+              <a:rPr lang="en-US" dirty="0" smtClean="0"/>
+              <a:t>z</a:t>
+            </a:r>
+            <a:r>
+              <a:rPr lang="ru-RU" dirty="0" smtClean="0"/>
+              <a:t>5</a:t>
+            </a:r>
+            <a:endParaRPr lang="en-US" dirty="0"/>
+          </a:p>
+        </p:txBody>
+      </p:sp>
+      <p:cxnSp>
+        <p:nvCxnSpPr>
+          <p:cNvPr id="40" name="Straight Arrow Connector 39"/>
+          <p:cNvCxnSpPr>
+            <a:stCxn id="39" idx="6"/>
+            <a:endCxn id="10" idx="2"/>
+          </p:cNvCxnSpPr>
+          <p:nvPr/>
+        </p:nvCxnSpPr>
+        <p:spPr>
+          <a:xfrm flipV="1">
+            <a:off x="5746895" y="3542836"/>
+            <a:ext cx="847557" cy="2180493"/>
+          </a:xfrm>
+          <a:prstGeom prst="straightConnector1">
+            <a:avLst/>
+          </a:prstGeom>
+          <a:ln>
+            <a:solidFill>
+              <a:schemeClr val="tx1"/>
+            </a:solidFill>
+            <a:tailEnd type="triangle"/>
+          </a:ln>
+        </p:spPr>
+        <p:style>
+          <a:lnRef idx="1">
+            <a:schemeClr val="accent1"/>
+          </a:lnRef>
+          <a:fillRef idx="0">
+            <a:schemeClr val="accent1"/>
+          </a:fillRef>
+          <a:effectRef idx="0">
+            <a:schemeClr val="accent1"/>
+          </a:effectRef>
+          <a:fontRef idx="minor">
+            <a:schemeClr val="tx1"/>
+          </a:fontRef>
+        </p:style>
+      </p:cxnSp>
+      <p:cxnSp>
+        <p:nvCxnSpPr>
+          <p:cNvPr id="43" name="Straight Arrow Connector 42"/>
+          <p:cNvCxnSpPr>
+            <a:stCxn id="38" idx="6"/>
+            <a:endCxn id="10" idx="2"/>
+          </p:cNvCxnSpPr>
+          <p:nvPr/>
+        </p:nvCxnSpPr>
+        <p:spPr>
+          <a:xfrm>
+            <a:off x="5746895" y="1462255"/>
+            <a:ext cx="847557" cy="2080581"/>
+          </a:xfrm>
+          <a:prstGeom prst="straightConnector1">
+            <a:avLst/>
+          </a:prstGeom>
+          <a:ln>
+            <a:solidFill>
+              <a:schemeClr val="tx1"/>
+            </a:solidFill>
+            <a:tailEnd type="triangle"/>
+          </a:ln>
+        </p:spPr>
+        <p:style>
+          <a:lnRef idx="1">
+            <a:schemeClr val="accent1"/>
+          </a:lnRef>
+          <a:fillRef idx="0">
+            <a:schemeClr val="accent1"/>
+          </a:fillRef>
+          <a:effectRef idx="0">
+            <a:schemeClr val="accent1"/>
+          </a:effectRef>
+          <a:fontRef idx="minor">
+            <a:schemeClr val="tx1"/>
+          </a:fontRef>
+        </p:style>
+      </p:cxnSp>
+      <p:cxnSp>
+        <p:nvCxnSpPr>
+          <p:cNvPr id="46" name="Curved Connector 45"/>
+          <p:cNvCxnSpPr/>
+          <p:nvPr/>
+        </p:nvCxnSpPr>
+        <p:spPr>
+          <a:xfrm rot="10800000" flipV="1">
+            <a:off x="6132871" y="3564214"/>
+            <a:ext cx="1872818" cy="1148328"/>
+          </a:xfrm>
+          <a:prstGeom prst="curvedConnector3">
+            <a:avLst>
+              <a:gd name="adj1" fmla="val 50000"/>
+            </a:avLst>
+          </a:prstGeom>
+          <a:ln>
+            <a:tailEnd type="triangle"/>
+          </a:ln>
+        </p:spPr>
+        <p:style>
+          <a:lnRef idx="1">
+            <a:schemeClr val="accent1"/>
+          </a:lnRef>
+          <a:fillRef idx="0">
+            <a:schemeClr val="accent1"/>
+          </a:fillRef>
+          <a:effectRef idx="0">
+            <a:schemeClr val="accent1"/>
+          </a:effectRef>
+          <a:fontRef idx="minor">
+            <a:schemeClr val="tx1"/>
+          </a:fontRef>
+        </p:style>
+      </p:cxnSp>
+      <p:cxnSp>
+        <p:nvCxnSpPr>
+          <p:cNvPr id="48" name="Curved Connector 47"/>
+          <p:cNvCxnSpPr/>
+          <p:nvPr/>
+        </p:nvCxnSpPr>
+        <p:spPr>
+          <a:xfrm rot="10800000">
+            <a:off x="6105893" y="2343241"/>
+            <a:ext cx="1837209" cy="1190172"/>
+          </a:xfrm>
+          <a:prstGeom prst="curvedConnector3">
+            <a:avLst>
+              <a:gd name="adj1" fmla="val 50000"/>
+            </a:avLst>
+          </a:prstGeom>
+          <a:ln>
+            <a:tailEnd type="triangle"/>
+          </a:ln>
+        </p:spPr>
+        <p:style>
+          <a:lnRef idx="1">
+            <a:schemeClr val="accent1"/>
+          </a:lnRef>
+          <a:fillRef idx="0">
+            <a:schemeClr val="accent1"/>
+          </a:fillRef>
+          <a:effectRef idx="0">
+            <a:schemeClr val="accent1"/>
+          </a:effectRef>
+          <a:fontRef idx="minor">
+            <a:schemeClr val="tx1"/>
+          </a:fontRef>
+        </p:style>
+      </p:cxnSp>
+      <p:cxnSp>
+        <p:nvCxnSpPr>
+          <p:cNvPr id="51" name="Straight Arrow Connector 50"/>
+          <p:cNvCxnSpPr>
+            <a:stCxn id="5" idx="6"/>
+            <a:endCxn id="38" idx="2"/>
+          </p:cNvCxnSpPr>
+          <p:nvPr/>
+        </p:nvCxnSpPr>
+        <p:spPr>
+          <a:xfrm flipV="1">
+            <a:off x="3973758" y="1462255"/>
+            <a:ext cx="988277" cy="1538389"/>
+          </a:xfrm>
+          <a:prstGeom prst="straightConnector1">
+            <a:avLst/>
+          </a:prstGeom>
+          <a:ln>
+            <a:solidFill>
+              <a:schemeClr val="tx1"/>
+            </a:solidFill>
+            <a:tailEnd type="triangle"/>
+          </a:ln>
+        </p:spPr>
+        <p:style>
+          <a:lnRef idx="1">
+            <a:schemeClr val="accent1"/>
+          </a:lnRef>
+          <a:fillRef idx="0">
+            <a:schemeClr val="accent1"/>
+          </a:fillRef>
+          <a:effectRef idx="0">
+            <a:schemeClr val="accent1"/>
+          </a:effectRef>
+          <a:fontRef idx="minor">
+            <a:schemeClr val="tx1"/>
+          </a:fontRef>
+        </p:style>
+      </p:cxnSp>
+      <p:cxnSp>
+        <p:nvCxnSpPr>
+          <p:cNvPr id="54" name="Straight Arrow Connector 53"/>
+          <p:cNvCxnSpPr>
+            <a:stCxn id="6" idx="6"/>
+            <a:endCxn id="39" idx="2"/>
+          </p:cNvCxnSpPr>
+          <p:nvPr/>
+        </p:nvCxnSpPr>
+        <p:spPr>
+          <a:xfrm>
+            <a:off x="3973758" y="4100420"/>
+            <a:ext cx="988277" cy="1622909"/>
+          </a:xfrm>
+          <a:prstGeom prst="straightConnector1">
+            <a:avLst/>
+          </a:prstGeom>
+          <a:ln>
+            <a:solidFill>
+              <a:schemeClr val="tx1"/>
+            </a:solidFill>
+            <a:tailEnd type="triangle"/>
+          </a:ln>
+        </p:spPr>
+        <p:style>
+          <a:lnRef idx="1">
+            <a:schemeClr val="accent1"/>
+          </a:lnRef>
+          <a:fillRef idx="0">
+            <a:schemeClr val="accent1"/>
+          </a:fillRef>
+          <a:effectRef idx="0">
+            <a:schemeClr val="accent1"/>
+          </a:effectRef>
+          <a:fontRef idx="minor">
+            <a:schemeClr val="tx1"/>
+          </a:fontRef>
+        </p:style>
+      </p:cxnSp>
+      <p:cxnSp>
+        <p:nvCxnSpPr>
+          <p:cNvPr id="57" name="Straight Arrow Connector 56"/>
+          <p:cNvCxnSpPr>
+            <a:stCxn id="5" idx="6"/>
+            <a:endCxn id="39" idx="2"/>
+          </p:cNvCxnSpPr>
+          <p:nvPr/>
+        </p:nvCxnSpPr>
+        <p:spPr>
+          <a:xfrm>
+            <a:off x="3973758" y="3000644"/>
+            <a:ext cx="988277" cy="2722685"/>
+          </a:xfrm>
+          <a:prstGeom prst="straightConnector1">
+            <a:avLst/>
+          </a:prstGeom>
+          <a:ln>
+            <a:solidFill>
+              <a:schemeClr val="tx1"/>
+            </a:solidFill>
+            <a:tailEnd type="triangle"/>
+          </a:ln>
+        </p:spPr>
+        <p:style>
+          <a:lnRef idx="1">
+            <a:schemeClr val="accent1"/>
+          </a:lnRef>
+          <a:fillRef idx="0">
+            <a:schemeClr val="accent1"/>
+          </a:fillRef>
+          <a:effectRef idx="0">
+            <a:schemeClr val="accent1"/>
+          </a:effectRef>
+          <a:fontRef idx="minor">
+            <a:schemeClr val="tx1"/>
+          </a:fontRef>
+        </p:style>
+      </p:cxnSp>
+      <p:cxnSp>
+        <p:nvCxnSpPr>
+          <p:cNvPr id="61" name="Straight Arrow Connector 60"/>
+          <p:cNvCxnSpPr>
+            <a:stCxn id="6" idx="6"/>
+            <a:endCxn id="38" idx="2"/>
+          </p:cNvCxnSpPr>
+          <p:nvPr/>
+        </p:nvCxnSpPr>
+        <p:spPr>
+          <a:xfrm flipV="1">
+            <a:off x="3973758" y="1462255"/>
+            <a:ext cx="988277" cy="2638165"/>
+          </a:xfrm>
+          <a:prstGeom prst="straightConnector1">
+            <a:avLst/>
+          </a:prstGeom>
+          <a:ln>
+            <a:solidFill>
+              <a:schemeClr val="tx1"/>
+            </a:solidFill>
+            <a:tailEnd type="triangle"/>
+          </a:ln>
+        </p:spPr>
+        <p:style>
+          <a:lnRef idx="1">
+            <a:schemeClr val="accent1"/>
+          </a:lnRef>
+          <a:fillRef idx="0">
+            <a:schemeClr val="accent1"/>
+          </a:fillRef>
+          <a:effectRef idx="0">
+            <a:schemeClr val="accent1"/>
+          </a:effectRef>
+          <a:fontRef idx="minor">
+            <a:schemeClr val="tx1"/>
+          </a:fontRef>
+        </p:style>
+      </p:cxnSp>
+      <p:sp>
+        <p:nvSpPr>
+          <p:cNvPr id="71" name="TextBox 70"/>
+          <p:cNvSpPr txBox="1"/>
+          <p:nvPr/>
+        </p:nvSpPr>
+        <p:spPr>
+          <a:xfrm>
+            <a:off x="3854521" y="2215753"/>
+            <a:ext cx="562708" cy="261610"/>
+          </a:xfrm>
+          <a:prstGeom prst="rect">
+            <a:avLst/>
+          </a:prstGeom>
+          <a:noFill/>
+        </p:spPr>
+        <p:txBody>
+          <a:bodyPr wrap="square" rtlCol="0">
+            <a:spAutoFit/>
+          </a:bodyPr>
+          <a:lstStyle/>
+          <a:p>
+            <a:pPr algn="ctr"/>
+            <a:r>
+              <a:rPr lang="en-US" sz="1100" dirty="0" smtClean="0"/>
+              <a:t>w11</a:t>
+            </a:r>
+            <a:endParaRPr lang="en-US" sz="1100" dirty="0"/>
+          </a:p>
+        </p:txBody>
+      </p:sp>
+      <p:sp>
+        <p:nvSpPr>
+          <p:cNvPr id="73" name="TextBox 72"/>
+          <p:cNvSpPr txBox="1"/>
+          <p:nvPr/>
+        </p:nvSpPr>
+        <p:spPr>
+          <a:xfrm>
+            <a:off x="4729603" y="1857780"/>
+            <a:ext cx="562708" cy="261610"/>
+          </a:xfrm>
+          <a:prstGeom prst="rect">
+            <a:avLst/>
+          </a:prstGeom>
+          <a:noFill/>
+        </p:spPr>
+        <p:txBody>
+          <a:bodyPr wrap="square" rtlCol="0">
+            <a:spAutoFit/>
+          </a:bodyPr>
+          <a:lstStyle/>
+          <a:p>
+            <a:pPr algn="ctr"/>
+            <a:r>
+              <a:rPr lang="en-US" sz="1100" dirty="0" smtClean="0"/>
+              <a:t>w</a:t>
+            </a:r>
+            <a:r>
+              <a:rPr lang="ru-RU" sz="1100" dirty="0" smtClean="0"/>
+              <a:t>2</a:t>
+            </a:r>
+            <a:r>
+              <a:rPr lang="en-US" sz="1100" dirty="0" smtClean="0"/>
+              <a:t>1</a:t>
+            </a:r>
+            <a:endParaRPr lang="en-US" sz="1100" dirty="0"/>
+          </a:p>
+        </p:txBody>
+      </p:sp>
+      <p:sp>
+        <p:nvSpPr>
+          <p:cNvPr id="74" name="TextBox 73"/>
+          <p:cNvSpPr txBox="1"/>
+          <p:nvPr/>
+        </p:nvSpPr>
+        <p:spPr>
+          <a:xfrm>
+            <a:off x="3924022" y="4676961"/>
+            <a:ext cx="562708" cy="261610"/>
+          </a:xfrm>
+          <a:prstGeom prst="rect">
+            <a:avLst/>
+          </a:prstGeom>
+          <a:noFill/>
+        </p:spPr>
+        <p:txBody>
+          <a:bodyPr wrap="square" rtlCol="0">
+            <a:spAutoFit/>
+          </a:bodyPr>
+          <a:lstStyle/>
+          <a:p>
+            <a:pPr algn="ctr"/>
+            <a:r>
+              <a:rPr lang="en-US" sz="1100" dirty="0" smtClean="0"/>
+              <a:t>w</a:t>
+            </a:r>
+            <a:r>
+              <a:rPr lang="ru-RU" sz="1100" dirty="0" smtClean="0"/>
+              <a:t>25</a:t>
+            </a:r>
+            <a:endParaRPr lang="en-US" sz="1100" dirty="0"/>
+          </a:p>
+        </p:txBody>
+      </p:sp>
+      <p:sp>
+        <p:nvSpPr>
+          <p:cNvPr id="75" name="TextBox 74"/>
+          <p:cNvSpPr txBox="1"/>
+          <p:nvPr/>
+        </p:nvSpPr>
+        <p:spPr>
+          <a:xfrm>
+            <a:off x="4737957" y="5104696"/>
+            <a:ext cx="562708" cy="261610"/>
+          </a:xfrm>
+          <a:prstGeom prst="rect">
+            <a:avLst/>
+          </a:prstGeom>
+          <a:noFill/>
+        </p:spPr>
+        <p:txBody>
+          <a:bodyPr wrap="square" rtlCol="0">
+            <a:spAutoFit/>
+          </a:bodyPr>
+          <a:lstStyle/>
+          <a:p>
+            <a:pPr algn="ctr"/>
+            <a:r>
+              <a:rPr lang="en-US" sz="1100" dirty="0" smtClean="0"/>
+              <a:t>w1</a:t>
+            </a:r>
+            <a:r>
+              <a:rPr lang="ru-RU" sz="1100" dirty="0" smtClean="0"/>
+              <a:t>5</a:t>
+            </a:r>
+            <a:endParaRPr lang="en-US" sz="1100" dirty="0"/>
+          </a:p>
+        </p:txBody>
+      </p:sp>
+      <p:sp>
+        <p:nvSpPr>
+          <p:cNvPr id="77" name="TextBox 76"/>
+          <p:cNvSpPr txBox="1"/>
+          <p:nvPr/>
+        </p:nvSpPr>
+        <p:spPr>
+          <a:xfrm>
+            <a:off x="4525003" y="4646871"/>
+            <a:ext cx="562708" cy="261610"/>
+          </a:xfrm>
+          <a:prstGeom prst="rect">
+            <a:avLst/>
+          </a:prstGeom>
+          <a:noFill/>
+        </p:spPr>
+        <p:txBody>
+          <a:bodyPr wrap="square" rtlCol="0">
+            <a:spAutoFit/>
+          </a:bodyPr>
+          <a:lstStyle/>
+          <a:p>
+            <a:pPr algn="ctr"/>
+            <a:r>
+              <a:rPr lang="en-US" sz="1100" dirty="0" smtClean="0"/>
+              <a:t>w</a:t>
+            </a:r>
+            <a:r>
+              <a:rPr lang="ru-RU" sz="1100" dirty="0" smtClean="0"/>
+              <a:t>24</a:t>
+            </a:r>
+            <a:endParaRPr lang="en-US" sz="1100" dirty="0"/>
+          </a:p>
+        </p:txBody>
+      </p:sp>
+      <p:cxnSp>
+        <p:nvCxnSpPr>
+          <p:cNvPr id="78" name="Curved Connector 77"/>
+          <p:cNvCxnSpPr/>
+          <p:nvPr/>
+        </p:nvCxnSpPr>
+        <p:spPr>
+          <a:xfrm rot="10800000">
+            <a:off x="4572367" y="2068205"/>
+            <a:ext cx="1518700" cy="286028"/>
+          </a:xfrm>
+          <a:prstGeom prst="curvedConnector3">
+            <a:avLst>
+              <a:gd name="adj1" fmla="val 50000"/>
+            </a:avLst>
+          </a:prstGeom>
+          <a:ln>
+            <a:tailEnd type="triangle"/>
+          </a:ln>
+        </p:spPr>
+        <p:style>
+          <a:lnRef idx="1">
+            <a:schemeClr val="accent1"/>
+          </a:lnRef>
+          <a:fillRef idx="0">
+            <a:schemeClr val="accent1"/>
+          </a:fillRef>
+          <a:effectRef idx="0">
+            <a:schemeClr val="accent1"/>
+          </a:effectRef>
+          <a:fontRef idx="minor">
+            <a:schemeClr val="tx1"/>
+          </a:fontRef>
+        </p:style>
+      </p:cxnSp>
+      <p:cxnSp>
+        <p:nvCxnSpPr>
+          <p:cNvPr id="80" name="Curved Connector 79"/>
+          <p:cNvCxnSpPr/>
+          <p:nvPr/>
+        </p:nvCxnSpPr>
+        <p:spPr>
+          <a:xfrm rot="10800000">
+            <a:off x="4660145" y="2207778"/>
+            <a:ext cx="1476801" cy="173589"/>
+          </a:xfrm>
+          <a:prstGeom prst="curvedConnector3">
+            <a:avLst>
+              <a:gd name="adj1" fmla="val 50000"/>
+            </a:avLst>
+          </a:prstGeom>
+          <a:ln>
+            <a:tailEnd type="triangle"/>
+          </a:ln>
+        </p:spPr>
+        <p:style>
+          <a:lnRef idx="1">
+            <a:schemeClr val="accent1"/>
+          </a:lnRef>
+          <a:fillRef idx="0">
+            <a:schemeClr val="accent1"/>
+          </a:fillRef>
+          <a:effectRef idx="0">
+            <a:schemeClr val="accent1"/>
+          </a:effectRef>
+          <a:fontRef idx="minor">
+            <a:schemeClr val="tx1"/>
+          </a:fontRef>
+        </p:style>
+      </p:cxnSp>
+      <p:cxnSp>
+        <p:nvCxnSpPr>
+          <p:cNvPr id="81" name="Curved Connector 80"/>
+          <p:cNvCxnSpPr/>
+          <p:nvPr/>
+        </p:nvCxnSpPr>
+        <p:spPr>
+          <a:xfrm rot="10800000" flipV="1">
+            <a:off x="4660145" y="4692751"/>
+            <a:ext cx="1420233" cy="177468"/>
+          </a:xfrm>
+          <a:prstGeom prst="curvedConnector3">
+            <a:avLst>
+              <a:gd name="adj1" fmla="val 50000"/>
+            </a:avLst>
+          </a:prstGeom>
+          <a:ln>
+            <a:tailEnd type="triangle"/>
+          </a:ln>
+        </p:spPr>
+        <p:style>
+          <a:lnRef idx="1">
+            <a:schemeClr val="accent1"/>
+          </a:lnRef>
+          <a:fillRef idx="0">
+            <a:schemeClr val="accent1"/>
+          </a:fillRef>
+          <a:effectRef idx="0">
+            <a:schemeClr val="accent1"/>
+          </a:effectRef>
+          <a:fontRef idx="minor">
+            <a:schemeClr val="tx1"/>
+          </a:fontRef>
+        </p:style>
+      </p:cxnSp>
+      <p:cxnSp>
+        <p:nvCxnSpPr>
+          <p:cNvPr id="82" name="Curved Connector 81"/>
+          <p:cNvCxnSpPr/>
+          <p:nvPr/>
+        </p:nvCxnSpPr>
+        <p:spPr>
+          <a:xfrm rot="10800000" flipV="1">
+            <a:off x="4568765" y="4684518"/>
+            <a:ext cx="1598014" cy="396159"/>
+          </a:xfrm>
+          <a:prstGeom prst="curvedConnector3">
+            <a:avLst>
+              <a:gd name="adj1" fmla="val 50000"/>
+            </a:avLst>
+          </a:prstGeom>
+          <a:ln>
+            <a:tailEnd type="triangle"/>
+          </a:ln>
+        </p:spPr>
+        <p:style>
+          <a:lnRef idx="1">
+            <a:schemeClr val="accent1"/>
+          </a:lnRef>
+          <a:fillRef idx="0">
+            <a:schemeClr val="accent1"/>
+          </a:fillRef>
+          <a:effectRef idx="0">
+            <a:schemeClr val="accent1"/>
+          </a:effectRef>
+          <a:fontRef idx="minor">
+            <a:schemeClr val="tx1"/>
+          </a:fontRef>
+        </p:style>
+      </p:cxnSp>
+      <p:sp>
+        <p:nvSpPr>
+          <p:cNvPr id="86" name="TextBox 85"/>
+          <p:cNvSpPr txBox="1"/>
+          <p:nvPr/>
+        </p:nvSpPr>
+        <p:spPr>
+          <a:xfrm>
+            <a:off x="5723675" y="2896240"/>
+            <a:ext cx="562708" cy="261610"/>
+          </a:xfrm>
+          <a:prstGeom prst="rect">
+            <a:avLst/>
+          </a:prstGeom>
+          <a:noFill/>
+        </p:spPr>
+        <p:txBody>
+          <a:bodyPr wrap="square" rtlCol="0">
+            <a:spAutoFit/>
+          </a:bodyPr>
+          <a:lstStyle/>
+          <a:p>
+            <a:pPr algn="ctr"/>
+            <a:r>
+              <a:rPr lang="en-US" sz="1100" dirty="0"/>
+              <a:t>w</a:t>
+            </a:r>
+            <a:r>
+              <a:rPr lang="en-US" sz="1100" dirty="0" smtClean="0"/>
+              <a:t>`2</a:t>
+            </a:r>
+            <a:endParaRPr lang="en-US" sz="1100" dirty="0"/>
+          </a:p>
+        </p:txBody>
+      </p:sp>
+      <p:sp>
+        <p:nvSpPr>
+          <p:cNvPr id="87" name="TextBox 86"/>
+          <p:cNvSpPr txBox="1"/>
+          <p:nvPr/>
+        </p:nvSpPr>
+        <p:spPr>
+          <a:xfrm>
+            <a:off x="5661262" y="3942197"/>
+            <a:ext cx="562708" cy="261610"/>
+          </a:xfrm>
+          <a:prstGeom prst="rect">
+            <a:avLst/>
+          </a:prstGeom>
+          <a:noFill/>
+        </p:spPr>
+        <p:txBody>
+          <a:bodyPr wrap="square" rtlCol="0">
+            <a:spAutoFit/>
+          </a:bodyPr>
+          <a:lstStyle/>
+          <a:p>
+            <a:pPr algn="ctr"/>
+            <a:r>
+              <a:rPr lang="en-US" sz="1100" dirty="0" smtClean="0"/>
+              <a:t>w`</a:t>
+            </a:r>
+            <a:r>
+              <a:rPr lang="ru-RU" sz="1100" dirty="0" smtClean="0"/>
+              <a:t>4</a:t>
+            </a:r>
+            <a:endParaRPr lang="en-US" sz="1100" dirty="0"/>
+          </a:p>
+        </p:txBody>
+      </p:sp>
     </p:spTree>
     <p:extLst>
       <p:ext uri="{BB962C8B-B14F-4D97-AF65-F5344CB8AC3E}">

--- a/PerceptronFirstTry/NN.pptx
+++ b/PerceptronFirstTry/NN.pptx
@@ -243,7 +243,7 @@
           <a:p>
             <a:fld id="{2436A157-E4C4-4BF5-B34E-AA074BA56B2E}" type="datetimeFigureOut">
               <a:rPr lang="en-US" smtClean="0"/>
-              <a:t>05/23/2020</a:t>
+              <a:t>01/09/2021</a:t>
             </a:fld>
             <a:endParaRPr lang="en-US"/>
           </a:p>
@@ -413,7 +413,7 @@
           <a:p>
             <a:fld id="{2436A157-E4C4-4BF5-B34E-AA074BA56B2E}" type="datetimeFigureOut">
               <a:rPr lang="en-US" smtClean="0"/>
-              <a:t>05/23/2020</a:t>
+              <a:t>01/09/2021</a:t>
             </a:fld>
             <a:endParaRPr lang="en-US"/>
           </a:p>
@@ -593,7 +593,7 @@
           <a:p>
             <a:fld id="{2436A157-E4C4-4BF5-B34E-AA074BA56B2E}" type="datetimeFigureOut">
               <a:rPr lang="en-US" smtClean="0"/>
-              <a:t>05/23/2020</a:t>
+              <a:t>01/09/2021</a:t>
             </a:fld>
             <a:endParaRPr lang="en-US"/>
           </a:p>
@@ -763,7 +763,7 @@
           <a:p>
             <a:fld id="{2436A157-E4C4-4BF5-B34E-AA074BA56B2E}" type="datetimeFigureOut">
               <a:rPr lang="en-US" smtClean="0"/>
-              <a:t>05/23/2020</a:t>
+              <a:t>01/09/2021</a:t>
             </a:fld>
             <a:endParaRPr lang="en-US"/>
           </a:p>
@@ -1009,7 +1009,7 @@
           <a:p>
             <a:fld id="{2436A157-E4C4-4BF5-B34E-AA074BA56B2E}" type="datetimeFigureOut">
               <a:rPr lang="en-US" smtClean="0"/>
-              <a:t>05/23/2020</a:t>
+              <a:t>01/09/2021</a:t>
             </a:fld>
             <a:endParaRPr lang="en-US"/>
           </a:p>
@@ -1241,7 +1241,7 @@
           <a:p>
             <a:fld id="{2436A157-E4C4-4BF5-B34E-AA074BA56B2E}" type="datetimeFigureOut">
               <a:rPr lang="en-US" smtClean="0"/>
-              <a:t>05/23/2020</a:t>
+              <a:t>01/09/2021</a:t>
             </a:fld>
             <a:endParaRPr lang="en-US"/>
           </a:p>
@@ -1608,7 +1608,7 @@
           <a:p>
             <a:fld id="{2436A157-E4C4-4BF5-B34E-AA074BA56B2E}" type="datetimeFigureOut">
               <a:rPr lang="en-US" smtClean="0"/>
-              <a:t>05/23/2020</a:t>
+              <a:t>01/09/2021</a:t>
             </a:fld>
             <a:endParaRPr lang="en-US"/>
           </a:p>
@@ -1726,7 +1726,7 @@
           <a:p>
             <a:fld id="{2436A157-E4C4-4BF5-B34E-AA074BA56B2E}" type="datetimeFigureOut">
               <a:rPr lang="en-US" smtClean="0"/>
-              <a:t>05/23/2020</a:t>
+              <a:t>01/09/2021</a:t>
             </a:fld>
             <a:endParaRPr lang="en-US"/>
           </a:p>
@@ -1821,7 +1821,7 @@
           <a:p>
             <a:fld id="{2436A157-E4C4-4BF5-B34E-AA074BA56B2E}" type="datetimeFigureOut">
               <a:rPr lang="en-US" smtClean="0"/>
-              <a:t>05/23/2020</a:t>
+              <a:t>01/09/2021</a:t>
             </a:fld>
             <a:endParaRPr lang="en-US"/>
           </a:p>
@@ -2098,7 +2098,7 @@
           <a:p>
             <a:fld id="{2436A157-E4C4-4BF5-B34E-AA074BA56B2E}" type="datetimeFigureOut">
               <a:rPr lang="en-US" smtClean="0"/>
-              <a:t>05/23/2020</a:t>
+              <a:t>01/09/2021</a:t>
             </a:fld>
             <a:endParaRPr lang="en-US"/>
           </a:p>
@@ -2351,7 +2351,7 @@
           <a:p>
             <a:fld id="{2436A157-E4C4-4BF5-B34E-AA074BA56B2E}" type="datetimeFigureOut">
               <a:rPr lang="en-US" smtClean="0"/>
-              <a:t>05/23/2020</a:t>
+              <a:t>01/09/2021</a:t>
             </a:fld>
             <a:endParaRPr lang="en-US"/>
           </a:p>
@@ -2564,7 +2564,7 @@
           <a:p>
             <a:fld id="{2436A157-E4C4-4BF5-B34E-AA074BA56B2E}" type="datetimeFigureOut">
               <a:rPr lang="en-US" smtClean="0"/>
-              <a:t>05/23/2020</a:t>
+              <a:t>01/09/2021</a:t>
             </a:fld>
             <a:endParaRPr lang="en-US"/>
           </a:p>
@@ -2977,7 +2977,7 @@
         </p:nvSpPr>
         <p:spPr>
           <a:xfrm>
-            <a:off x="3188898" y="2608214"/>
+            <a:off x="2960547" y="2188319"/>
             <a:ext cx="784860" cy="784860"/>
           </a:xfrm>
           <a:prstGeom prst="ellipse">
@@ -3034,7 +3034,7 @@
         </p:nvSpPr>
         <p:spPr>
           <a:xfrm>
-            <a:off x="3188898" y="3707990"/>
+            <a:off x="2973443" y="4172195"/>
             <a:ext cx="784860" cy="784860"/>
           </a:xfrm>
           <a:prstGeom prst="ellipse">
@@ -3073,7 +3073,7 @@
             <a:pPr algn="ctr"/>
             <a:r>
               <a:rPr lang="en-US" dirty="0" smtClean="0"/>
-              <a:t>x2</a:t>
+              <a:t>xN</a:t>
             </a:r>
             <a:endParaRPr lang="en-US" dirty="0"/>
           </a:p>
@@ -3081,13 +3081,13 @@
       </p:sp>
       <p:sp>
         <p:nvSpPr>
-          <p:cNvPr id="7" name="Oval 6"/>
+          <p:cNvPr id="8" name="Oval 7"/>
           <p:cNvSpPr/>
           <p:nvPr/>
         </p:nvSpPr>
         <p:spPr>
           <a:xfrm>
-            <a:off x="4941498" y="3150406"/>
+            <a:off x="4941498" y="4265574"/>
             <a:ext cx="784860" cy="784860"/>
           </a:xfrm>
           <a:prstGeom prst="ellipse">
@@ -3125,26 +3125,22 @@
           <a:p>
             <a:pPr algn="ctr"/>
             <a:r>
-              <a:rPr lang="en-US" dirty="0" smtClean="0"/>
-              <a:t>z</a:t>
-            </a:r>
-            <a:r>
-              <a:rPr lang="ru-RU" dirty="0" smtClean="0"/>
-              <a:t>3</a:t>
-            </a:r>
-            <a:endParaRPr lang="en-US" dirty="0"/>
-          </a:p>
-        </p:txBody>
-      </p:sp>
-      <p:sp>
-        <p:nvSpPr>
-          <p:cNvPr id="8" name="Oval 7"/>
+              <a:rPr lang="en-US" sz="1600" dirty="0" smtClean="0"/>
+              <a:t>zn-1</a:t>
+            </a:r>
+            <a:endParaRPr lang="en-US" sz="1600" dirty="0"/>
+          </a:p>
+        </p:txBody>
+      </p:sp>
+      <p:sp>
+        <p:nvSpPr>
+          <p:cNvPr id="9" name="Oval 8"/>
           <p:cNvSpPr/>
           <p:nvPr/>
         </p:nvSpPr>
         <p:spPr>
           <a:xfrm>
-            <a:off x="4941498" y="4265574"/>
+            <a:off x="4941498" y="2066022"/>
             <a:ext cx="784860" cy="784860"/>
           </a:xfrm>
           <a:prstGeom prst="ellipse">
@@ -3187,7 +3183,7 @@
             </a:r>
             <a:r>
               <a:rPr lang="ru-RU" dirty="0" smtClean="0"/>
-              <a:t>4</a:t>
+              <a:t>2</a:t>
             </a:r>
             <a:endParaRPr lang="en-US" dirty="0"/>
           </a:p>
@@ -3195,13 +3191,13 @@
       </p:sp>
       <p:sp>
         <p:nvSpPr>
-          <p:cNvPr id="9" name="Oval 8"/>
+          <p:cNvPr id="10" name="Oval 9"/>
           <p:cNvSpPr/>
           <p:nvPr/>
         </p:nvSpPr>
         <p:spPr>
           <a:xfrm>
-            <a:off x="4941498" y="2066022"/>
+            <a:off x="6594452" y="3150406"/>
             <a:ext cx="784860" cy="784860"/>
           </a:xfrm>
           <a:prstGeom prst="ellipse">
@@ -3240,63 +3236,6 @@
             <a:pPr algn="ctr"/>
             <a:r>
               <a:rPr lang="en-US" dirty="0" smtClean="0"/>
-              <a:t>z</a:t>
-            </a:r>
-            <a:r>
-              <a:rPr lang="ru-RU" dirty="0" smtClean="0"/>
-              <a:t>2</a:t>
-            </a:r>
-            <a:endParaRPr lang="en-US" dirty="0"/>
-          </a:p>
-        </p:txBody>
-      </p:sp>
-      <p:sp>
-        <p:nvSpPr>
-          <p:cNvPr id="10" name="Oval 9"/>
-          <p:cNvSpPr/>
-          <p:nvPr/>
-        </p:nvSpPr>
-        <p:spPr>
-          <a:xfrm>
-            <a:off x="6594452" y="3150406"/>
-            <a:ext cx="784860" cy="784860"/>
-          </a:xfrm>
-          <a:prstGeom prst="ellipse">
-            <a:avLst/>
-          </a:prstGeom>
-          <a:noFill/>
-          <a:ln>
-            <a:solidFill>
-              <a:schemeClr val="tx1"/>
-            </a:solidFill>
-          </a:ln>
-        </p:spPr>
-        <p:style>
-          <a:lnRef idx="2">
-            <a:schemeClr val="accent6"/>
-          </a:lnRef>
-          <a:fillRef idx="1">
-            <a:schemeClr val="lt1"/>
-          </a:fillRef>
-          <a:effectRef idx="0">
-            <a:schemeClr val="accent6"/>
-          </a:effectRef>
-          <a:fontRef idx="minor">
-            <a:schemeClr val="dk1"/>
-          </a:fontRef>
-        </p:style>
-        <p:txBody>
-          <a:bodyPr rot="0" spcFirstLastPara="0" vert="horz" wrap="square" lIns="91440" tIns="45720" rIns="91440" bIns="45720" numCol="1" spcCol="0" rtlCol="0" fromWordArt="0" anchor="ctr" anchorCtr="0" forceAA="0" compatLnSpc="1">
-            <a:prstTxWarp prst="textNoShape">
-              <a:avLst/>
-            </a:prstTxWarp>
-            <a:noAutofit/>
-          </a:bodyPr>
-          <a:lstStyle/>
-          <a:p>
-            <a:pPr algn="ctr"/>
-            <a:r>
-              <a:rPr lang="en-US" dirty="0" smtClean="0"/>
               <a:t>R(z)</a:t>
             </a:r>
             <a:endParaRPr lang="en-US" dirty="0"/>
@@ -3314,8 +3253,8 @@
         </p:nvCxnSpPr>
         <p:spPr>
           <a:xfrm flipV="1">
-            <a:off x="3973758" y="2458452"/>
-            <a:ext cx="967740" cy="542192"/>
+            <a:off x="3745407" y="2458452"/>
+            <a:ext cx="1196091" cy="122297"/>
           </a:xfrm>
           <a:prstGeom prst="straightConnector1">
             <a:avLst/>
@@ -3347,14 +3286,13 @@
           <p:cNvPr id="12" name="Straight Arrow Connector 11"/>
           <p:cNvCxnSpPr>
             <a:stCxn id="6" idx="6"/>
-            <a:endCxn id="7" idx="2"/>
           </p:cNvCxnSpPr>
           <p:nvPr/>
         </p:nvCxnSpPr>
         <p:spPr>
           <a:xfrm flipV="1">
-            <a:off x="3973758" y="3542836"/>
-            <a:ext cx="967740" cy="557584"/>
+            <a:off x="3758303" y="3746124"/>
+            <a:ext cx="1356104" cy="818501"/>
           </a:xfrm>
           <a:prstGeom prst="straightConnector1">
             <a:avLst/>
@@ -3392,8 +3330,8 @@
         </p:nvCxnSpPr>
         <p:spPr>
           <a:xfrm>
-            <a:off x="3973758" y="3000644"/>
-            <a:ext cx="967740" cy="1657360"/>
+            <a:off x="3745407" y="2580749"/>
+            <a:ext cx="1196091" cy="2077255"/>
           </a:xfrm>
           <a:prstGeom prst="straightConnector1">
             <a:avLst/>
@@ -3431,8 +3369,8 @@
         </p:nvCxnSpPr>
         <p:spPr>
           <a:xfrm flipV="1">
-            <a:off x="3973758" y="2458452"/>
-            <a:ext cx="967740" cy="1641968"/>
+            <a:off x="3758303" y="2458452"/>
+            <a:ext cx="1183195" cy="2106173"/>
           </a:xfrm>
           <a:prstGeom prst="straightConnector1">
             <a:avLst/>
@@ -3464,14 +3402,13 @@
           <p:cNvPr id="15" name="Straight Arrow Connector 14"/>
           <p:cNvCxnSpPr>
             <a:stCxn id="5" idx="6"/>
-            <a:endCxn id="7" idx="2"/>
           </p:cNvCxnSpPr>
           <p:nvPr/>
         </p:nvCxnSpPr>
         <p:spPr>
           <a:xfrm>
-            <a:off x="3973758" y="3000644"/>
-            <a:ext cx="967740" cy="542192"/>
+            <a:off x="3745407" y="2580749"/>
+            <a:ext cx="1318826" cy="733169"/>
           </a:xfrm>
           <a:prstGeom prst="straightConnector1">
             <a:avLst/>
@@ -3509,8 +3446,8 @@
         </p:nvCxnSpPr>
         <p:spPr>
           <a:xfrm>
-            <a:off x="3973758" y="4100420"/>
-            <a:ext cx="967740" cy="557584"/>
+            <a:off x="3758303" y="4564625"/>
+            <a:ext cx="1183195" cy="93379"/>
           </a:xfrm>
           <a:prstGeom prst="straightConnector1">
             <a:avLst/>
@@ -3550,45 +3487,6 @@
           <a:xfrm>
             <a:off x="5726358" y="2458452"/>
             <a:ext cx="868094" cy="1084384"/>
-          </a:xfrm>
-          <a:prstGeom prst="straightConnector1">
-            <a:avLst/>
-          </a:prstGeom>
-          <a:ln>
-            <a:solidFill>
-              <a:schemeClr val="tx1"/>
-            </a:solidFill>
-            <a:tailEnd type="triangle"/>
-          </a:ln>
-        </p:spPr>
-        <p:style>
-          <a:lnRef idx="1">
-            <a:schemeClr val="accent1"/>
-          </a:lnRef>
-          <a:fillRef idx="0">
-            <a:schemeClr val="accent1"/>
-          </a:fillRef>
-          <a:effectRef idx="0">
-            <a:schemeClr val="accent1"/>
-          </a:effectRef>
-          <a:fontRef idx="minor">
-            <a:schemeClr val="tx1"/>
-          </a:fontRef>
-        </p:style>
-      </p:cxnSp>
-      <p:cxnSp>
-        <p:nvCxnSpPr>
-          <p:cNvPr id="18" name="Straight Arrow Connector 17"/>
-          <p:cNvCxnSpPr>
-            <a:stCxn id="7" idx="6"/>
-            <a:endCxn id="10" idx="2"/>
-          </p:cNvCxnSpPr>
-          <p:nvPr/>
-        </p:nvCxnSpPr>
-        <p:spPr>
-          <a:xfrm>
-            <a:off x="5726358" y="3542836"/>
-            <a:ext cx="868094" cy="0"/>
           </a:xfrm>
           <a:prstGeom prst="straightConnector1">
             <a:avLst/>
@@ -3719,13 +3617,13 @@
       </p:sp>
       <p:sp>
         <p:nvSpPr>
-          <p:cNvPr id="62" name="TextBox 61"/>
+          <p:cNvPr id="64" name="TextBox 63"/>
           <p:cNvSpPr txBox="1"/>
           <p:nvPr/>
         </p:nvSpPr>
         <p:spPr>
           <a:xfrm>
-            <a:off x="4448249" y="3152900"/>
+            <a:off x="6281019" y="2951720"/>
             <a:ext cx="562708" cy="261610"/>
           </a:xfrm>
           <a:prstGeom prst="rect">
@@ -3742,11 +3640,7 @@
             <a:pPr algn="ctr"/>
             <a:r>
               <a:rPr lang="en-US" sz="1100" dirty="0" smtClean="0"/>
-              <a:t>w1</a:t>
-            </a:r>
-            <a:r>
-              <a:rPr lang="ru-RU" sz="1100" dirty="0" smtClean="0"/>
-              <a:t>3</a:t>
+              <a:t>w`1</a:t>
             </a:r>
             <a:endParaRPr lang="en-US" sz="1100" dirty="0"/>
           </a:p>
@@ -3754,13 +3648,13 @@
       </p:sp>
       <p:sp>
         <p:nvSpPr>
-          <p:cNvPr id="63" name="TextBox 62"/>
+          <p:cNvPr id="66" name="TextBox 65"/>
           <p:cNvSpPr txBox="1"/>
           <p:nvPr/>
         </p:nvSpPr>
         <p:spPr>
           <a:xfrm>
-            <a:off x="4497166" y="3886718"/>
+            <a:off x="6321566" y="3913543"/>
             <a:ext cx="562708" cy="261610"/>
           </a:xfrm>
           <a:prstGeom prst="rect">
@@ -3777,11 +3671,7 @@
             <a:pPr algn="ctr"/>
             <a:r>
               <a:rPr lang="en-US" sz="1100" dirty="0" smtClean="0"/>
-              <a:t>w1</a:t>
-            </a:r>
-            <a:r>
-              <a:rPr lang="ru-RU" sz="1100" dirty="0"/>
-              <a:t>4</a:t>
+              <a:t>w`n</a:t>
             </a:r>
             <a:endParaRPr lang="en-US" sz="1100" dirty="0"/>
           </a:p>
@@ -3789,13 +3679,13 @@
       </p:sp>
       <p:sp>
         <p:nvSpPr>
-          <p:cNvPr id="64" name="TextBox 63"/>
+          <p:cNvPr id="68" name="TextBox 67"/>
           <p:cNvSpPr txBox="1"/>
           <p:nvPr/>
         </p:nvSpPr>
         <p:spPr>
           <a:xfrm>
-            <a:off x="6281019" y="2951720"/>
+            <a:off x="4618527" y="1792924"/>
             <a:ext cx="562708" cy="261610"/>
           </a:xfrm>
           <a:prstGeom prst="rect">
@@ -3812,213 +3702,7 @@
             <a:pPr algn="ctr"/>
             <a:r>
               <a:rPr lang="en-US" sz="1100" dirty="0" smtClean="0"/>
-              <a:t>w`1</a:t>
-            </a:r>
-            <a:endParaRPr lang="en-US" sz="1100" dirty="0"/>
-          </a:p>
-        </p:txBody>
-      </p:sp>
-      <p:sp>
-        <p:nvSpPr>
-          <p:cNvPr id="65" name="TextBox 64"/>
-          <p:cNvSpPr txBox="1"/>
-          <p:nvPr/>
-        </p:nvSpPr>
-        <p:spPr>
-          <a:xfrm>
-            <a:off x="5649389" y="3262380"/>
-            <a:ext cx="562708" cy="261610"/>
-          </a:xfrm>
-          <a:prstGeom prst="rect">
-            <a:avLst/>
-          </a:prstGeom>
-          <a:noFill/>
-        </p:spPr>
-        <p:txBody>
-          <a:bodyPr wrap="square" rtlCol="0">
-            <a:spAutoFit/>
-          </a:bodyPr>
-          <a:lstStyle/>
-          <a:p>
-            <a:pPr algn="ctr"/>
-            <a:r>
-              <a:rPr lang="en-US" sz="1100" dirty="0" smtClean="0"/>
-              <a:t>w`</a:t>
-            </a:r>
-            <a:r>
-              <a:rPr lang="ru-RU" sz="1100" dirty="0" smtClean="0"/>
-              <a:t>3</a:t>
-            </a:r>
-            <a:endParaRPr lang="en-US" sz="1100" dirty="0"/>
-          </a:p>
-        </p:txBody>
-      </p:sp>
-      <p:sp>
-        <p:nvSpPr>
-          <p:cNvPr id="66" name="TextBox 65"/>
-          <p:cNvSpPr txBox="1"/>
-          <p:nvPr/>
-        </p:nvSpPr>
-        <p:spPr>
-          <a:xfrm>
-            <a:off x="6321566" y="3913543"/>
-            <a:ext cx="562708" cy="261610"/>
-          </a:xfrm>
-          <a:prstGeom prst="rect">
-            <a:avLst/>
-          </a:prstGeom>
-          <a:noFill/>
-        </p:spPr>
-        <p:txBody>
-          <a:bodyPr wrap="square" rtlCol="0">
-            <a:spAutoFit/>
-          </a:bodyPr>
-          <a:lstStyle/>
-          <a:p>
-            <a:pPr algn="ctr"/>
-            <a:r>
-              <a:rPr lang="en-US" sz="1100" dirty="0" smtClean="0"/>
-              <a:t>w`</a:t>
-            </a:r>
-            <a:r>
-              <a:rPr lang="ru-RU" sz="1100" dirty="0" smtClean="0"/>
-              <a:t>5</a:t>
-            </a:r>
-            <a:endParaRPr lang="en-US" sz="1100" dirty="0"/>
-          </a:p>
-        </p:txBody>
-      </p:sp>
-      <p:sp>
-        <p:nvSpPr>
-          <p:cNvPr id="67" name="TextBox 66"/>
-          <p:cNvSpPr txBox="1"/>
-          <p:nvPr/>
-        </p:nvSpPr>
-        <p:spPr>
-          <a:xfrm>
-            <a:off x="4046349" y="2503083"/>
-            <a:ext cx="562708" cy="261610"/>
-          </a:xfrm>
-          <a:prstGeom prst="rect">
-            <a:avLst/>
-          </a:prstGeom>
-          <a:noFill/>
-        </p:spPr>
-        <p:txBody>
-          <a:bodyPr wrap="square" rtlCol="0">
-            <a:spAutoFit/>
-          </a:bodyPr>
-          <a:lstStyle/>
-          <a:p>
-            <a:pPr algn="ctr"/>
-            <a:r>
-              <a:rPr lang="en-US" sz="1100" dirty="0" smtClean="0"/>
-              <a:t>w1</a:t>
-            </a:r>
-            <a:r>
-              <a:rPr lang="ru-RU" sz="1100" dirty="0" smtClean="0"/>
-              <a:t>2</a:t>
-            </a:r>
-            <a:endParaRPr lang="en-US" sz="1100" dirty="0"/>
-          </a:p>
-        </p:txBody>
-      </p:sp>
-      <p:sp>
-        <p:nvSpPr>
-          <p:cNvPr id="68" name="TextBox 67"/>
-          <p:cNvSpPr txBox="1"/>
-          <p:nvPr/>
-        </p:nvSpPr>
-        <p:spPr>
-          <a:xfrm>
-            <a:off x="4660144" y="2630806"/>
-            <a:ext cx="562708" cy="261610"/>
-          </a:xfrm>
-          <a:prstGeom prst="rect">
-            <a:avLst/>
-          </a:prstGeom>
-          <a:noFill/>
-        </p:spPr>
-        <p:txBody>
-          <a:bodyPr wrap="square" rtlCol="0">
-            <a:spAutoFit/>
-          </a:bodyPr>
-          <a:lstStyle/>
-          <a:p>
-            <a:pPr algn="ctr"/>
-            <a:r>
-              <a:rPr lang="en-US" sz="1100" dirty="0" smtClean="0"/>
-              <a:t>w2</a:t>
-            </a:r>
-            <a:r>
-              <a:rPr lang="ru-RU" sz="1100" dirty="0" smtClean="0"/>
-              <a:t>2</a:t>
-            </a:r>
-            <a:endParaRPr lang="en-US" sz="1100" dirty="0"/>
-          </a:p>
-        </p:txBody>
-      </p:sp>
-      <p:sp>
-        <p:nvSpPr>
-          <p:cNvPr id="69" name="TextBox 68"/>
-          <p:cNvSpPr txBox="1"/>
-          <p:nvPr/>
-        </p:nvSpPr>
-        <p:spPr>
-          <a:xfrm>
-            <a:off x="4449063" y="3618462"/>
-            <a:ext cx="562708" cy="261610"/>
-          </a:xfrm>
-          <a:prstGeom prst="rect">
-            <a:avLst/>
-          </a:prstGeom>
-          <a:noFill/>
-        </p:spPr>
-        <p:txBody>
-          <a:bodyPr wrap="square" rtlCol="0">
-            <a:spAutoFit/>
-          </a:bodyPr>
-          <a:lstStyle/>
-          <a:p>
-            <a:pPr algn="ctr"/>
-            <a:r>
-              <a:rPr lang="en-US" sz="1100" dirty="0" smtClean="0"/>
-              <a:t>w2</a:t>
-            </a:r>
-            <a:r>
-              <a:rPr lang="ru-RU" sz="1100" dirty="0" smtClean="0"/>
-              <a:t>3</a:t>
-            </a:r>
-            <a:endParaRPr lang="en-US" sz="1100" dirty="0"/>
-          </a:p>
-        </p:txBody>
-      </p:sp>
-      <p:sp>
-        <p:nvSpPr>
-          <p:cNvPr id="70" name="TextBox 69"/>
-          <p:cNvSpPr txBox="1"/>
-          <p:nvPr/>
-        </p:nvSpPr>
-        <p:spPr>
-          <a:xfrm>
-            <a:off x="4220254" y="4010892"/>
-            <a:ext cx="562708" cy="261610"/>
-          </a:xfrm>
-          <a:prstGeom prst="rect">
-            <a:avLst/>
-          </a:prstGeom>
-          <a:noFill/>
-        </p:spPr>
-        <p:txBody>
-          <a:bodyPr wrap="square" rtlCol="0">
-            <a:spAutoFit/>
-          </a:bodyPr>
-          <a:lstStyle/>
-          <a:p>
-            <a:pPr algn="ctr"/>
-            <a:r>
-              <a:rPr lang="en-US" sz="1100" dirty="0" smtClean="0"/>
-              <a:t>w23</a:t>
+              <a:t>wx1</a:t>
             </a:r>
             <a:endParaRPr lang="en-US" sz="1100" dirty="0"/>
           </a:p>
@@ -4200,76 +3884,6 @@
       </p:cxnSp>
       <p:cxnSp>
         <p:nvCxnSpPr>
-          <p:cNvPr id="156" name="Curved Connector 155"/>
-          <p:cNvCxnSpPr/>
-          <p:nvPr/>
-        </p:nvCxnSpPr>
-        <p:spPr>
-          <a:xfrm rot="10800000" flipV="1">
-            <a:off x="4631424" y="3545222"/>
-            <a:ext cx="1474468" cy="173801"/>
-          </a:xfrm>
-          <a:prstGeom prst="curvedConnector3">
-            <a:avLst>
-              <a:gd name="adj1" fmla="val 98450"/>
-            </a:avLst>
-          </a:prstGeom>
-          <a:ln>
-            <a:tailEnd type="triangle"/>
-          </a:ln>
-        </p:spPr>
-        <p:style>
-          <a:lnRef idx="1">
-            <a:schemeClr val="accent1"/>
-          </a:lnRef>
-          <a:fillRef idx="0">
-            <a:schemeClr val="accent1"/>
-          </a:fillRef>
-          <a:effectRef idx="0">
-            <a:schemeClr val="accent1"/>
-          </a:effectRef>
-          <a:fontRef idx="minor">
-            <a:schemeClr val="tx1"/>
-          </a:fontRef>
-        </p:style>
-      </p:cxnSp>
-      <p:cxnSp>
-        <p:nvCxnSpPr>
-          <p:cNvPr id="164" name="Curved Connector 163"/>
-          <p:cNvCxnSpPr/>
-          <p:nvPr/>
-        </p:nvCxnSpPr>
-        <p:spPr>
-          <a:xfrm rot="10800000">
-            <a:off x="4604445" y="3356386"/>
-            <a:ext cx="1507148" cy="186357"/>
-          </a:xfrm>
-          <a:prstGeom prst="curvedConnector3">
-            <a:avLst>
-              <a:gd name="adj1" fmla="val 100938"/>
-            </a:avLst>
-          </a:prstGeom>
-          <a:ln>
-            <a:tailEnd type="triangle"/>
-          </a:ln>
-        </p:spPr>
-        <p:style>
-          <a:lnRef idx="1">
-            <a:schemeClr val="accent1"/>
-          </a:lnRef>
-          <a:fillRef idx="0">
-            <a:schemeClr val="accent1"/>
-          </a:fillRef>
-          <a:effectRef idx="0">
-            <a:schemeClr val="accent1"/>
-          </a:effectRef>
-          <a:fontRef idx="minor">
-            <a:schemeClr val="tx1"/>
-          </a:fontRef>
-        </p:style>
-      </p:cxnSp>
-      <p:cxnSp>
-        <p:nvCxnSpPr>
           <p:cNvPr id="171" name="Curved Connector 170"/>
           <p:cNvCxnSpPr/>
           <p:nvPr/>
@@ -4374,41 +3988,6 @@
           </a:fontRef>
         </p:style>
       </p:cxnSp>
-      <p:cxnSp>
-        <p:nvCxnSpPr>
-          <p:cNvPr id="195" name="Straight Arrow Connector 194"/>
-          <p:cNvCxnSpPr>
-            <a:stCxn id="79" idx="2"/>
-          </p:cNvCxnSpPr>
-          <p:nvPr/>
-        </p:nvCxnSpPr>
-        <p:spPr>
-          <a:xfrm flipH="1">
-            <a:off x="6105892" y="3546518"/>
-            <a:ext cx="1938651" cy="0"/>
-          </a:xfrm>
-          <a:prstGeom prst="straightConnector1">
-            <a:avLst/>
-          </a:prstGeom>
-          <a:ln>
-            <a:tailEnd type="triangle"/>
-          </a:ln>
-        </p:spPr>
-        <p:style>
-          <a:lnRef idx="1">
-            <a:schemeClr val="accent1"/>
-          </a:lnRef>
-          <a:fillRef idx="0">
-            <a:schemeClr val="accent1"/>
-          </a:fillRef>
-          <a:effectRef idx="0">
-            <a:schemeClr val="accent1"/>
-          </a:effectRef>
-          <a:fontRef idx="minor">
-            <a:schemeClr val="tx1"/>
-          </a:fontRef>
-        </p:style>
-      </p:cxnSp>
       <p:sp>
         <p:nvSpPr>
           <p:cNvPr id="38" name="Oval 37"/>
@@ -4417,7 +3996,7 @@
         </p:nvSpPr>
         <p:spPr>
           <a:xfrm>
-            <a:off x="4962035" y="1069825"/>
+            <a:off x="4899881" y="1115757"/>
             <a:ext cx="784860" cy="784860"/>
           </a:xfrm>
           <a:prstGeom prst="ellipse">
@@ -4509,11 +4088,7 @@
             <a:pPr algn="ctr"/>
             <a:r>
               <a:rPr lang="en-US" dirty="0" smtClean="0"/>
-              <a:t>z</a:t>
-            </a:r>
-            <a:r>
-              <a:rPr lang="ru-RU" dirty="0" smtClean="0"/>
-              <a:t>5</a:t>
+              <a:t>zn</a:t>
             </a:r>
             <a:endParaRPr lang="en-US" dirty="0"/>
           </a:p>
@@ -4569,8 +4144,8 @@
         </p:nvCxnSpPr>
         <p:spPr>
           <a:xfrm>
-            <a:off x="5746895" y="1462255"/>
-            <a:ext cx="847557" cy="2080581"/>
+            <a:off x="5684741" y="1508187"/>
+            <a:ext cx="909711" cy="2034649"/>
           </a:xfrm>
           <a:prstGeom prst="straightConnector1">
             <a:avLst/>
@@ -4605,8 +4180,8 @@
         </p:nvCxnSpPr>
         <p:spPr>
           <a:xfrm rot="10800000" flipV="1">
-            <a:off x="6132871" y="3564214"/>
-            <a:ext cx="1872818" cy="1148328"/>
+            <a:off x="6132872" y="3549640"/>
+            <a:ext cx="1810231" cy="1162902"/>
           </a:xfrm>
           <a:prstGeom prst="curvedConnector3">
             <a:avLst>
@@ -4678,8 +4253,8 @@
         </p:nvCxnSpPr>
         <p:spPr>
           <a:xfrm flipV="1">
-            <a:off x="3973758" y="1462255"/>
-            <a:ext cx="988277" cy="1538389"/>
+            <a:off x="3745407" y="1508187"/>
+            <a:ext cx="1154474" cy="1072562"/>
           </a:xfrm>
           <a:prstGeom prst="straightConnector1">
             <a:avLst/>
@@ -4717,8 +4292,8 @@
         </p:nvCxnSpPr>
         <p:spPr>
           <a:xfrm>
-            <a:off x="3973758" y="4100420"/>
-            <a:ext cx="988277" cy="1622909"/>
+            <a:off x="3758303" y="4564625"/>
+            <a:ext cx="1203732" cy="1158704"/>
           </a:xfrm>
           <a:prstGeom prst="straightConnector1">
             <a:avLst/>
@@ -4756,8 +4331,8 @@
         </p:nvCxnSpPr>
         <p:spPr>
           <a:xfrm>
-            <a:off x="3973758" y="3000644"/>
-            <a:ext cx="988277" cy="2722685"/>
+            <a:off x="3745407" y="2580749"/>
+            <a:ext cx="1216628" cy="3142580"/>
           </a:xfrm>
           <a:prstGeom prst="straightConnector1">
             <a:avLst/>
@@ -4795,8 +4370,8 @@
         </p:nvCxnSpPr>
         <p:spPr>
           <a:xfrm flipV="1">
-            <a:off x="3973758" y="1462255"/>
-            <a:ext cx="988277" cy="2638165"/>
+            <a:off x="3758303" y="1508187"/>
+            <a:ext cx="1141578" cy="3056438"/>
           </a:xfrm>
           <a:prstGeom prst="straightConnector1">
             <a:avLst/>
@@ -4825,13 +4400,13 @@
       </p:cxnSp>
       <p:sp>
         <p:nvSpPr>
-          <p:cNvPr id="71" name="TextBox 70"/>
+          <p:cNvPr id="73" name="TextBox 72"/>
           <p:cNvSpPr txBox="1"/>
           <p:nvPr/>
         </p:nvSpPr>
         <p:spPr>
           <a:xfrm>
-            <a:off x="3854521" y="2215753"/>
+            <a:off x="4203838" y="1543461"/>
             <a:ext cx="562708" cy="261610"/>
           </a:xfrm>
           <a:prstGeom prst="rect">
@@ -4856,13 +4431,13 @@
       </p:sp>
       <p:sp>
         <p:nvSpPr>
-          <p:cNvPr id="73" name="TextBox 72"/>
+          <p:cNvPr id="74" name="TextBox 73"/>
           <p:cNvSpPr txBox="1"/>
           <p:nvPr/>
         </p:nvSpPr>
         <p:spPr>
           <a:xfrm>
-            <a:off x="4729603" y="1857780"/>
+            <a:off x="4198644" y="5438327"/>
             <a:ext cx="562708" cy="261610"/>
           </a:xfrm>
           <a:prstGeom prst="rect">
@@ -4879,15 +4454,7 @@
             <a:pPr algn="ctr"/>
             <a:r>
               <a:rPr lang="en-US" sz="1100" dirty="0" smtClean="0"/>
-              <a:t>w</a:t>
-            </a:r>
-            <a:r>
-              <a:rPr lang="ru-RU" sz="1100" dirty="0" smtClean="0"/>
-              <a:t>2</a:t>
-            </a:r>
-            <a:r>
-              <a:rPr lang="en-US" sz="1100" dirty="0" smtClean="0"/>
-              <a:t>1</a:t>
+              <a:t>wxn</a:t>
             </a:r>
             <a:endParaRPr lang="en-US" sz="1100" dirty="0"/>
           </a:p>
@@ -4895,13 +4462,13 @@
       </p:sp>
       <p:sp>
         <p:nvSpPr>
-          <p:cNvPr id="74" name="TextBox 73"/>
+          <p:cNvPr id="75" name="TextBox 74"/>
           <p:cNvSpPr txBox="1"/>
           <p:nvPr/>
         </p:nvSpPr>
         <p:spPr>
           <a:xfrm>
-            <a:off x="3924022" y="4676961"/>
+            <a:off x="4737957" y="5104696"/>
             <a:ext cx="562708" cy="261610"/>
           </a:xfrm>
           <a:prstGeom prst="rect">
@@ -4918,81 +4485,7 @@
             <a:pPr algn="ctr"/>
             <a:r>
               <a:rPr lang="en-US" sz="1100" dirty="0" smtClean="0"/>
-              <a:t>w</a:t>
-            </a:r>
-            <a:r>
-              <a:rPr lang="ru-RU" sz="1100" dirty="0" smtClean="0"/>
-              <a:t>25</a:t>
-            </a:r>
-            <a:endParaRPr lang="en-US" sz="1100" dirty="0"/>
-          </a:p>
-        </p:txBody>
-      </p:sp>
-      <p:sp>
-        <p:nvSpPr>
-          <p:cNvPr id="75" name="TextBox 74"/>
-          <p:cNvSpPr txBox="1"/>
-          <p:nvPr/>
-        </p:nvSpPr>
-        <p:spPr>
-          <a:xfrm>
-            <a:off x="4737957" y="5104696"/>
-            <a:ext cx="562708" cy="261610"/>
-          </a:xfrm>
-          <a:prstGeom prst="rect">
-            <a:avLst/>
-          </a:prstGeom>
-          <a:noFill/>
-        </p:spPr>
-        <p:txBody>
-          <a:bodyPr wrap="square" rtlCol="0">
-            <a:spAutoFit/>
-          </a:bodyPr>
-          <a:lstStyle/>
-          <a:p>
-            <a:pPr algn="ctr"/>
-            <a:r>
-              <a:rPr lang="en-US" sz="1100" dirty="0" smtClean="0"/>
-              <a:t>w1</a:t>
-            </a:r>
-            <a:r>
-              <a:rPr lang="ru-RU" sz="1100" dirty="0" smtClean="0"/>
-              <a:t>5</a:t>
-            </a:r>
-            <a:endParaRPr lang="en-US" sz="1100" dirty="0"/>
-          </a:p>
-        </p:txBody>
-      </p:sp>
-      <p:sp>
-        <p:nvSpPr>
-          <p:cNvPr id="77" name="TextBox 76"/>
-          <p:cNvSpPr txBox="1"/>
-          <p:nvPr/>
-        </p:nvSpPr>
-        <p:spPr>
-          <a:xfrm>
-            <a:off x="4525003" y="4646871"/>
-            <a:ext cx="562708" cy="261610"/>
-          </a:xfrm>
-          <a:prstGeom prst="rect">
-            <a:avLst/>
-          </a:prstGeom>
-          <a:noFill/>
-        </p:spPr>
-        <p:txBody>
-          <a:bodyPr wrap="square" rtlCol="0">
-            <a:spAutoFit/>
-          </a:bodyPr>
-          <a:lstStyle/>
-          <a:p>
-            <a:pPr algn="ctr"/>
-            <a:r>
-              <a:rPr lang="en-US" sz="1100" dirty="0" smtClean="0"/>
-              <a:t>w</a:t>
-            </a:r>
-            <a:r>
-              <a:rPr lang="ru-RU" sz="1100" dirty="0" smtClean="0"/>
-              <a:t>24</a:t>
+              <a:t>w1n</a:t>
             </a:r>
             <a:endParaRPr lang="en-US" sz="1100" dirty="0"/>
           </a:p>
@@ -5198,13 +4691,249 @@
             <a:pPr algn="ctr"/>
             <a:r>
               <a:rPr lang="en-US" sz="1100" dirty="0" smtClean="0"/>
-              <a:t>w`</a:t>
-            </a:r>
-            <a:r>
-              <a:rPr lang="ru-RU" sz="1100" dirty="0" smtClean="0"/>
-              <a:t>4</a:t>
+              <a:t>w`n-1</a:t>
             </a:r>
             <a:endParaRPr lang="en-US" sz="1100" dirty="0"/>
+          </a:p>
+        </p:txBody>
+      </p:sp>
+      <p:sp>
+        <p:nvSpPr>
+          <p:cNvPr id="42" name="Flowchart: Connector 41"/>
+          <p:cNvSpPr/>
+          <p:nvPr/>
+        </p:nvSpPr>
+        <p:spPr>
+          <a:xfrm flipH="1">
+            <a:off x="5254696" y="3262380"/>
+            <a:ext cx="91440" cy="91440"/>
+          </a:xfrm>
+          <a:prstGeom prst="flowChartConnector">
+            <a:avLst/>
+          </a:prstGeom>
+        </p:spPr>
+        <p:style>
+          <a:lnRef idx="2">
+            <a:schemeClr val="accent1">
+              <a:shade val="50000"/>
+            </a:schemeClr>
+          </a:lnRef>
+          <a:fillRef idx="1">
+            <a:schemeClr val="accent1"/>
+          </a:fillRef>
+          <a:effectRef idx="0">
+            <a:schemeClr val="accent1"/>
+          </a:effectRef>
+          <a:fontRef idx="minor">
+            <a:schemeClr val="lt1"/>
+          </a:fontRef>
+        </p:style>
+        <p:txBody>
+          <a:bodyPr rtlCol="0" anchor="ctr"/>
+          <a:lstStyle/>
+          <a:p>
+            <a:pPr algn="ctr"/>
+            <a:endParaRPr lang="en-US"/>
+          </a:p>
+        </p:txBody>
+      </p:sp>
+      <p:sp>
+        <p:nvSpPr>
+          <p:cNvPr id="83" name="Flowchart: Connector 82"/>
+          <p:cNvSpPr/>
+          <p:nvPr/>
+        </p:nvSpPr>
+        <p:spPr>
+          <a:xfrm flipH="1">
+            <a:off x="5254696" y="3507184"/>
+            <a:ext cx="91440" cy="91440"/>
+          </a:xfrm>
+          <a:prstGeom prst="flowChartConnector">
+            <a:avLst/>
+          </a:prstGeom>
+        </p:spPr>
+        <p:style>
+          <a:lnRef idx="2">
+            <a:schemeClr val="accent1">
+              <a:shade val="50000"/>
+            </a:schemeClr>
+          </a:lnRef>
+          <a:fillRef idx="1">
+            <a:schemeClr val="accent1"/>
+          </a:fillRef>
+          <a:effectRef idx="0">
+            <a:schemeClr val="accent1"/>
+          </a:effectRef>
+          <a:fontRef idx="minor">
+            <a:schemeClr val="lt1"/>
+          </a:fontRef>
+        </p:style>
+        <p:txBody>
+          <a:bodyPr rtlCol="0" anchor="ctr"/>
+          <a:lstStyle/>
+          <a:p>
+            <a:pPr algn="ctr"/>
+            <a:endParaRPr lang="en-US"/>
+          </a:p>
+        </p:txBody>
+      </p:sp>
+      <p:sp>
+        <p:nvSpPr>
+          <p:cNvPr id="84" name="Flowchart: Connector 83"/>
+          <p:cNvSpPr/>
+          <p:nvPr/>
+        </p:nvSpPr>
+        <p:spPr>
+          <a:xfrm flipH="1">
+            <a:off x="5254696" y="3744681"/>
+            <a:ext cx="91440" cy="91440"/>
+          </a:xfrm>
+          <a:prstGeom prst="flowChartConnector">
+            <a:avLst/>
+          </a:prstGeom>
+        </p:spPr>
+        <p:style>
+          <a:lnRef idx="2">
+            <a:schemeClr val="accent1">
+              <a:shade val="50000"/>
+            </a:schemeClr>
+          </a:lnRef>
+          <a:fillRef idx="1">
+            <a:schemeClr val="accent1"/>
+          </a:fillRef>
+          <a:effectRef idx="0">
+            <a:schemeClr val="accent1"/>
+          </a:effectRef>
+          <a:fontRef idx="minor">
+            <a:schemeClr val="lt1"/>
+          </a:fontRef>
+        </p:style>
+        <p:txBody>
+          <a:bodyPr rtlCol="0" anchor="ctr"/>
+          <a:lstStyle/>
+          <a:p>
+            <a:pPr algn="ctr"/>
+            <a:endParaRPr lang="en-US"/>
+          </a:p>
+        </p:txBody>
+      </p:sp>
+      <p:sp>
+        <p:nvSpPr>
+          <p:cNvPr id="85" name="Flowchart: Connector 84"/>
+          <p:cNvSpPr/>
+          <p:nvPr/>
+        </p:nvSpPr>
+        <p:spPr>
+          <a:xfrm flipH="1">
+            <a:off x="3320153" y="3284908"/>
+            <a:ext cx="91440" cy="91440"/>
+          </a:xfrm>
+          <a:prstGeom prst="flowChartConnector">
+            <a:avLst/>
+          </a:prstGeom>
+        </p:spPr>
+        <p:style>
+          <a:lnRef idx="2">
+            <a:schemeClr val="accent1">
+              <a:shade val="50000"/>
+            </a:schemeClr>
+          </a:lnRef>
+          <a:fillRef idx="1">
+            <a:schemeClr val="accent1"/>
+          </a:fillRef>
+          <a:effectRef idx="0">
+            <a:schemeClr val="accent1"/>
+          </a:effectRef>
+          <a:fontRef idx="minor">
+            <a:schemeClr val="lt1"/>
+          </a:fontRef>
+        </p:style>
+        <p:txBody>
+          <a:bodyPr rtlCol="0" anchor="ctr"/>
+          <a:lstStyle/>
+          <a:p>
+            <a:pPr algn="ctr"/>
+            <a:endParaRPr lang="en-US"/>
+          </a:p>
+        </p:txBody>
+      </p:sp>
+      <p:sp>
+        <p:nvSpPr>
+          <p:cNvPr id="88" name="Flowchart: Connector 87"/>
+          <p:cNvSpPr/>
+          <p:nvPr/>
+        </p:nvSpPr>
+        <p:spPr>
+          <a:xfrm flipH="1">
+            <a:off x="3320153" y="3529712"/>
+            <a:ext cx="91440" cy="91440"/>
+          </a:xfrm>
+          <a:prstGeom prst="flowChartConnector">
+            <a:avLst/>
+          </a:prstGeom>
+        </p:spPr>
+        <p:style>
+          <a:lnRef idx="2">
+            <a:schemeClr val="accent1">
+              <a:shade val="50000"/>
+            </a:schemeClr>
+          </a:lnRef>
+          <a:fillRef idx="1">
+            <a:schemeClr val="accent1"/>
+          </a:fillRef>
+          <a:effectRef idx="0">
+            <a:schemeClr val="accent1"/>
+          </a:effectRef>
+          <a:fontRef idx="minor">
+            <a:schemeClr val="lt1"/>
+          </a:fontRef>
+        </p:style>
+        <p:txBody>
+          <a:bodyPr rtlCol="0" anchor="ctr"/>
+          <a:lstStyle/>
+          <a:p>
+            <a:pPr algn="ctr"/>
+            <a:endParaRPr lang="en-US"/>
+          </a:p>
+        </p:txBody>
+      </p:sp>
+      <p:sp>
+        <p:nvSpPr>
+          <p:cNvPr id="89" name="Flowchart: Connector 88"/>
+          <p:cNvSpPr/>
+          <p:nvPr/>
+        </p:nvSpPr>
+        <p:spPr>
+          <a:xfrm flipH="1">
+            <a:off x="3320153" y="3767209"/>
+            <a:ext cx="91440" cy="91440"/>
+          </a:xfrm>
+          <a:prstGeom prst="flowChartConnector">
+            <a:avLst/>
+          </a:prstGeom>
+        </p:spPr>
+        <p:style>
+          <a:lnRef idx="2">
+            <a:schemeClr val="accent1">
+              <a:shade val="50000"/>
+            </a:schemeClr>
+          </a:lnRef>
+          <a:fillRef idx="1">
+            <a:schemeClr val="accent1"/>
+          </a:fillRef>
+          <a:effectRef idx="0">
+            <a:schemeClr val="accent1"/>
+          </a:effectRef>
+          <a:fontRef idx="minor">
+            <a:schemeClr val="lt1"/>
+          </a:fontRef>
+        </p:style>
+        <p:txBody>
+          <a:bodyPr rtlCol="0" anchor="ctr"/>
+          <a:lstStyle/>
+          <a:p>
+            <a:pPr algn="ctr"/>
+            <a:endParaRPr lang="en-US"/>
           </a:p>
         </p:txBody>
       </p:sp>
